--- a/04. Logic/04. Logic.pptx
+++ b/04. Logic/04. Logic.pptx
@@ -217,7 +217,7 @@
           <a:p>
             <a:fld id="{05C48174-E545-442B-973B-CFD060E5DF1E}" type="datetimeFigureOut">
               <a:rPr lang="en-US" smtClean="0"/>
-              <a:t>10/23/2018</a:t>
+              <a:t>10/31/2018</a:t>
             </a:fld>
             <a:endParaRPr lang="en-US"/>
           </a:p>
@@ -725,7 +725,7 @@
           <a:p>
             <a:fld id="{795FA750-E810-4AD3-9221-27790D7881D7}" type="datetimeFigureOut">
               <a:rPr lang="en-US" smtClean="0"/>
-              <a:t>10/23/2018</a:t>
+              <a:t>10/31/2018</a:t>
             </a:fld>
             <a:endParaRPr lang="en-US"/>
           </a:p>
@@ -1038,7 +1038,7 @@
           <a:p>
             <a:fld id="{795FA750-E810-4AD3-9221-27790D7881D7}" type="datetimeFigureOut">
               <a:rPr lang="en-US" smtClean="0"/>
-              <a:t>10/23/2018</a:t>
+              <a:t>10/31/2018</a:t>
             </a:fld>
             <a:endParaRPr lang="en-US"/>
           </a:p>
@@ -1327,7 +1327,7 @@
           <a:p>
             <a:fld id="{795FA750-E810-4AD3-9221-27790D7881D7}" type="datetimeFigureOut">
               <a:rPr lang="en-US" smtClean="0"/>
-              <a:t>10/23/2018</a:t>
+              <a:t>10/31/2018</a:t>
             </a:fld>
             <a:endParaRPr lang="en-US"/>
           </a:p>
@@ -1527,7 +1527,7 @@
           <a:p>
             <a:fld id="{795FA750-E810-4AD3-9221-27790D7881D7}" type="datetimeFigureOut">
               <a:rPr lang="en-US" smtClean="0"/>
-              <a:t>10/23/2018</a:t>
+              <a:t>10/31/2018</a:t>
             </a:fld>
             <a:endParaRPr lang="en-US"/>
           </a:p>
@@ -1737,7 +1737,7 @@
           <a:p>
             <a:fld id="{795FA750-E810-4AD3-9221-27790D7881D7}" type="datetimeFigureOut">
               <a:rPr lang="en-US" smtClean="0"/>
-              <a:t>10/23/2018</a:t>
+              <a:t>10/31/2018</a:t>
             </a:fld>
             <a:endParaRPr lang="en-US"/>
           </a:p>
@@ -1958,7 +1958,7 @@
           <a:p>
             <a:fld id="{795FA750-E810-4AD3-9221-27790D7881D7}" type="datetimeFigureOut">
               <a:rPr lang="en-US" smtClean="0"/>
-              <a:t>10/23/2018</a:t>
+              <a:t>10/31/2018</a:t>
             </a:fld>
             <a:endParaRPr lang="en-US"/>
           </a:p>
@@ -2155,7 +2155,7 @@
           <a:p>
             <a:fld id="{795FA750-E810-4AD3-9221-27790D7881D7}" type="datetimeFigureOut">
               <a:rPr lang="en-US" smtClean="0"/>
-              <a:t>10/23/2018</a:t>
+              <a:t>10/31/2018</a:t>
             </a:fld>
             <a:endParaRPr lang="en-US"/>
           </a:p>
@@ -2431,7 +2431,7 @@
           <a:p>
             <a:fld id="{795FA750-E810-4AD3-9221-27790D7881D7}" type="datetimeFigureOut">
               <a:rPr lang="en-US" smtClean="0"/>
-              <a:t>10/23/2018</a:t>
+              <a:t>10/31/2018</a:t>
             </a:fld>
             <a:endParaRPr lang="en-US"/>
           </a:p>
@@ -2699,7 +2699,7 @@
           <a:p>
             <a:fld id="{795FA750-E810-4AD3-9221-27790D7881D7}" type="datetimeFigureOut">
               <a:rPr lang="en-US" smtClean="0"/>
-              <a:t>10/23/2018</a:t>
+              <a:t>10/31/2018</a:t>
             </a:fld>
             <a:endParaRPr lang="en-US"/>
           </a:p>
@@ -3114,7 +3114,7 @@
           <a:p>
             <a:fld id="{795FA750-E810-4AD3-9221-27790D7881D7}" type="datetimeFigureOut">
               <a:rPr lang="en-US" smtClean="0"/>
-              <a:t>10/23/2018</a:t>
+              <a:t>10/31/2018</a:t>
             </a:fld>
             <a:endParaRPr lang="en-US"/>
           </a:p>
@@ -3256,7 +3256,7 @@
           <a:p>
             <a:fld id="{795FA750-E810-4AD3-9221-27790D7881D7}" type="datetimeFigureOut">
               <a:rPr lang="en-US" smtClean="0"/>
-              <a:t>10/23/2018</a:t>
+              <a:t>10/31/2018</a:t>
             </a:fld>
             <a:endParaRPr lang="en-US"/>
           </a:p>
@@ -3369,7 +3369,7 @@
           <a:p>
             <a:fld id="{795FA750-E810-4AD3-9221-27790D7881D7}" type="datetimeFigureOut">
               <a:rPr lang="en-US" smtClean="0"/>
-              <a:t>10/23/2018</a:t>
+              <a:t>10/31/2018</a:t>
             </a:fld>
             <a:endParaRPr lang="en-US"/>
           </a:p>
@@ -3482,7 +3482,7 @@
           <a:p>
             <a:fld id="{795FA750-E810-4AD3-9221-27790D7881D7}" type="datetimeFigureOut">
               <a:rPr lang="en-US" smtClean="0"/>
-              <a:t>10/23/2018</a:t>
+              <a:t>10/31/2018</a:t>
             </a:fld>
             <a:endParaRPr lang="en-US"/>
           </a:p>
@@ -3769,7 +3769,7 @@
             <a:fld id="{795FA750-E810-4AD3-9221-27790D7881D7}" type="datetimeFigureOut">
               <a:rPr lang="en-US" smtClean="0"/>
               <a:pPr/>
-              <a:t>10/23/2018</a:t>
+              <a:t>10/31/2018</a:t>
             </a:fld>
             <a:endParaRPr lang="en-US"/>
           </a:p>
@@ -4259,13 +4259,13 @@
   <p:clrMapOvr>
     <a:masterClrMapping/>
   </p:clrMapOvr>
-  <mc:AlternateContent xmlns:mc="http://schemas.openxmlformats.org/markup-compatibility/2006">
-    <mc:Choice xmlns:p159="http://schemas.microsoft.com/office/powerpoint/2015/09/main" Requires="p159">
+  <mc:AlternateContent xmlns:mc="http://schemas.openxmlformats.org/markup-compatibility/2006" xmlns:p159="http://schemas.microsoft.com/office/powerpoint/2015/09/main">
+    <mc:Choice Requires="p159">
       <p:transition spd="slow">
         <p159:morph option="byObject"/>
       </p:transition>
     </mc:Choice>
-    <mc:Fallback>
+    <mc:Fallback xmlns="">
       <p:transition spd="slow">
         <p:fade/>
       </p:transition>
@@ -4347,13 +4347,13 @@
   <p:clrMapOvr>
     <a:masterClrMapping/>
   </p:clrMapOvr>
-  <mc:AlternateContent xmlns:mc="http://schemas.openxmlformats.org/markup-compatibility/2006">
-    <mc:Choice xmlns:p159="http://schemas.microsoft.com/office/powerpoint/2015/09/main" Requires="p159">
+  <mc:AlternateContent xmlns:mc="http://schemas.openxmlformats.org/markup-compatibility/2006" xmlns:p159="http://schemas.microsoft.com/office/powerpoint/2015/09/main">
+    <mc:Choice Requires="p159">
       <p:transition spd="slow">
         <p159:morph option="byObject"/>
       </p:transition>
     </mc:Choice>
-    <mc:Fallback>
+    <mc:Fallback xmlns="">
       <p:transition spd="slow">
         <p:fade/>
       </p:transition>
@@ -4418,13 +4418,13 @@
   <p:clrMapOvr>
     <a:masterClrMapping/>
   </p:clrMapOvr>
-  <mc:AlternateContent xmlns:mc="http://schemas.openxmlformats.org/markup-compatibility/2006">
-    <mc:Choice xmlns:p159="http://schemas.microsoft.com/office/powerpoint/2015/09/main" Requires="p159">
+  <mc:AlternateContent xmlns:mc="http://schemas.openxmlformats.org/markup-compatibility/2006" xmlns:p159="http://schemas.microsoft.com/office/powerpoint/2015/09/main">
+    <mc:Choice Requires="p159">
       <p:transition spd="slow">
         <p159:morph option="byObject"/>
       </p:transition>
     </mc:Choice>
-    <mc:Fallback>
+    <mc:Fallback xmlns="">
       <p:transition spd="slow">
         <p:fade/>
       </p:transition>
@@ -4666,13 +4666,13 @@
   <p:clrMapOvr>
     <a:masterClrMapping/>
   </p:clrMapOvr>
-  <mc:AlternateContent xmlns:mc="http://schemas.openxmlformats.org/markup-compatibility/2006">
-    <mc:Choice xmlns:p159="http://schemas.microsoft.com/office/powerpoint/2015/09/main" Requires="p159">
+  <mc:AlternateContent xmlns:mc="http://schemas.openxmlformats.org/markup-compatibility/2006" xmlns:p159="http://schemas.microsoft.com/office/powerpoint/2015/09/main">
+    <mc:Choice Requires="p159">
       <p:transition spd="slow" advClick="0" advTm="100">
         <p159:morph option="byObject"/>
       </p:transition>
     </mc:Choice>
-    <mc:Fallback>
+    <mc:Fallback xmlns="">
       <p:transition spd="slow" advClick="0" advTm="100">
         <p:fade/>
       </p:transition>
@@ -4912,13 +4912,13 @@
   <p:clrMapOvr>
     <a:masterClrMapping/>
   </p:clrMapOvr>
-  <mc:AlternateContent xmlns:mc="http://schemas.openxmlformats.org/markup-compatibility/2006">
-    <mc:Choice xmlns:p159="http://schemas.microsoft.com/office/powerpoint/2015/09/main" Requires="p159">
+  <mc:AlternateContent xmlns:mc="http://schemas.openxmlformats.org/markup-compatibility/2006" xmlns:p159="http://schemas.microsoft.com/office/powerpoint/2015/09/main">
+    <mc:Choice Requires="p159">
       <p:transition spd="slow">
         <p159:morph option="byObject"/>
       </p:transition>
     </mc:Choice>
-    <mc:Fallback>
+    <mc:Fallback xmlns="">
       <p:transition spd="slow">
         <p:fade/>
       </p:transition>
@@ -4982,13 +4982,13 @@
   <p:clrMapOvr>
     <a:masterClrMapping/>
   </p:clrMapOvr>
-  <mc:AlternateContent xmlns:mc="http://schemas.openxmlformats.org/markup-compatibility/2006">
-    <mc:Choice xmlns:p159="http://schemas.microsoft.com/office/powerpoint/2015/09/main" Requires="p159">
+  <mc:AlternateContent xmlns:mc="http://schemas.openxmlformats.org/markup-compatibility/2006" xmlns:p159="http://schemas.microsoft.com/office/powerpoint/2015/09/main">
+    <mc:Choice Requires="p159">
       <p:transition spd="slow">
         <p159:morph option="byObject"/>
       </p:transition>
     </mc:Choice>
-    <mc:Fallback>
+    <mc:Fallback xmlns="">
       <p:transition spd="slow">
         <p:fade/>
       </p:transition>
@@ -5052,13 +5052,13 @@
   <p:clrMapOvr>
     <a:masterClrMapping/>
   </p:clrMapOvr>
-  <mc:AlternateContent xmlns:mc="http://schemas.openxmlformats.org/markup-compatibility/2006">
-    <mc:Choice xmlns:p159="http://schemas.microsoft.com/office/powerpoint/2015/09/main" Requires="p159">
+  <mc:AlternateContent xmlns:mc="http://schemas.openxmlformats.org/markup-compatibility/2006" xmlns:p159="http://schemas.microsoft.com/office/powerpoint/2015/09/main">
+    <mc:Choice Requires="p159">
       <p:transition spd="slow">
         <p159:morph option="byObject"/>
       </p:transition>
     </mc:Choice>
-    <mc:Fallback>
+    <mc:Fallback xmlns="">
       <p:transition spd="slow">
         <p:fade/>
       </p:transition>
@@ -5180,13 +5180,13 @@
   <p:clrMapOvr>
     <a:masterClrMapping/>
   </p:clrMapOvr>
-  <mc:AlternateContent xmlns:mc="http://schemas.openxmlformats.org/markup-compatibility/2006">
-    <mc:Choice xmlns:p159="http://schemas.microsoft.com/office/powerpoint/2015/09/main" Requires="p159">
+  <mc:AlternateContent xmlns:mc="http://schemas.openxmlformats.org/markup-compatibility/2006" xmlns:p159="http://schemas.microsoft.com/office/powerpoint/2015/09/main">
+    <mc:Choice Requires="p159">
       <p:transition spd="slow">
         <p159:morph option="byObject"/>
       </p:transition>
     </mc:Choice>
-    <mc:Fallback>
+    <mc:Fallback xmlns="">
       <p:transition spd="slow">
         <p:fade/>
       </p:transition>
@@ -5250,13 +5250,13 @@
   <p:clrMapOvr>
     <a:masterClrMapping/>
   </p:clrMapOvr>
-  <mc:AlternateContent xmlns:mc="http://schemas.openxmlformats.org/markup-compatibility/2006">
-    <mc:Choice xmlns:p159="http://schemas.microsoft.com/office/powerpoint/2015/09/main" Requires="p159">
+  <mc:AlternateContent xmlns:mc="http://schemas.openxmlformats.org/markup-compatibility/2006" xmlns:p159="http://schemas.microsoft.com/office/powerpoint/2015/09/main">
+    <mc:Choice Requires="p159">
       <p:transition spd="slow">
         <p159:morph option="byObject"/>
       </p:transition>
     </mc:Choice>
-    <mc:Fallback>
+    <mc:Fallback xmlns="">
       <p:transition spd="slow">
         <p:fade/>
       </p:transition>
@@ -5321,13 +5321,13 @@
   <p:clrMapOvr>
     <a:masterClrMapping/>
   </p:clrMapOvr>
-  <mc:AlternateContent xmlns:mc="http://schemas.openxmlformats.org/markup-compatibility/2006">
-    <mc:Choice xmlns:p159="http://schemas.microsoft.com/office/powerpoint/2015/09/main" Requires="p159">
+  <mc:AlternateContent xmlns:mc="http://schemas.openxmlformats.org/markup-compatibility/2006" xmlns:p159="http://schemas.microsoft.com/office/powerpoint/2015/09/main">
+    <mc:Choice Requires="p159">
       <p:transition spd="slow">
         <p159:morph option="byObject"/>
       </p:transition>
     </mc:Choice>
-    <mc:Fallback>
+    <mc:Fallback xmlns="">
       <p:transition spd="slow">
         <p:fade/>
       </p:transition>
@@ -5391,13 +5391,13 @@
   <p:clrMapOvr>
     <a:masterClrMapping/>
   </p:clrMapOvr>
-  <mc:AlternateContent xmlns:mc="http://schemas.openxmlformats.org/markup-compatibility/2006">
-    <mc:Choice xmlns:p159="http://schemas.microsoft.com/office/powerpoint/2015/09/main" Requires="p159">
+  <mc:AlternateContent xmlns:mc="http://schemas.openxmlformats.org/markup-compatibility/2006" xmlns:p159="http://schemas.microsoft.com/office/powerpoint/2015/09/main">
+    <mc:Choice Requires="p159">
       <p:transition spd="slow">
         <p159:morph option="byObject"/>
       </p:transition>
     </mc:Choice>
-    <mc:Fallback>
+    <mc:Fallback xmlns="">
       <p:transition spd="slow">
         <p:fade/>
       </p:transition>
@@ -5469,13 +5469,13 @@
   <p:clrMapOvr>
     <a:masterClrMapping/>
   </p:clrMapOvr>
-  <mc:AlternateContent xmlns:mc="http://schemas.openxmlformats.org/markup-compatibility/2006">
-    <mc:Choice xmlns:p159="http://schemas.microsoft.com/office/powerpoint/2015/09/main" Requires="p159">
+  <mc:AlternateContent xmlns:mc="http://schemas.openxmlformats.org/markup-compatibility/2006" xmlns:p159="http://schemas.microsoft.com/office/powerpoint/2015/09/main">
+    <mc:Choice Requires="p159">
       <p:transition spd="slow">
         <p159:morph option="byObject"/>
       </p:transition>
     </mc:Choice>
-    <mc:Fallback>
+    <mc:Fallback xmlns="">
       <p:transition spd="slow">
         <p:fade/>
       </p:transition>
@@ -5615,13 +5615,13 @@
   <p:clrMapOvr>
     <a:masterClrMapping/>
   </p:clrMapOvr>
-  <mc:AlternateContent xmlns:mc="http://schemas.openxmlformats.org/markup-compatibility/2006">
-    <mc:Choice xmlns:p159="http://schemas.microsoft.com/office/powerpoint/2015/09/main" Requires="p159">
+  <mc:AlternateContent xmlns:mc="http://schemas.openxmlformats.org/markup-compatibility/2006" xmlns:p159="http://schemas.microsoft.com/office/powerpoint/2015/09/main">
+    <mc:Choice Requires="p159">
       <p:transition spd="slow">
         <p159:morph option="byObject"/>
       </p:transition>
     </mc:Choice>
-    <mc:Fallback>
+    <mc:Fallback xmlns="">
       <p:transition spd="slow">
         <p:fade/>
       </p:transition>
@@ -5714,13 +5714,13 @@
   <p:clrMapOvr>
     <a:masterClrMapping/>
   </p:clrMapOvr>
-  <mc:AlternateContent xmlns:mc="http://schemas.openxmlformats.org/markup-compatibility/2006">
-    <mc:Choice xmlns:p159="http://schemas.microsoft.com/office/powerpoint/2015/09/main" Requires="p159">
+  <mc:AlternateContent xmlns:mc="http://schemas.openxmlformats.org/markup-compatibility/2006" xmlns:p159="http://schemas.microsoft.com/office/powerpoint/2015/09/main">
+    <mc:Choice Requires="p159">
       <p:transition spd="slow">
         <p159:morph option="byObject"/>
       </p:transition>
     </mc:Choice>
-    <mc:Fallback>
+    <mc:Fallback xmlns="">
       <p:transition spd="slow">
         <p:fade/>
       </p:transition>
@@ -5792,13 +5792,13 @@
   <p:clrMapOvr>
     <a:masterClrMapping/>
   </p:clrMapOvr>
-  <mc:AlternateContent xmlns:mc="http://schemas.openxmlformats.org/markup-compatibility/2006">
-    <mc:Choice xmlns:p159="http://schemas.microsoft.com/office/powerpoint/2015/09/main" Requires="p159">
+  <mc:AlternateContent xmlns:mc="http://schemas.openxmlformats.org/markup-compatibility/2006" xmlns:p159="http://schemas.microsoft.com/office/powerpoint/2015/09/main">
+    <mc:Choice Requires="p159">
       <p:transition spd="slow">
         <p159:morph option="byObject"/>
       </p:transition>
     </mc:Choice>
-    <mc:Fallback>
+    <mc:Fallback xmlns="">
       <p:transition spd="slow">
         <p:fade/>
       </p:transition>
@@ -5879,13 +5879,13 @@
   <p:clrMapOvr>
     <a:masterClrMapping/>
   </p:clrMapOvr>
-  <mc:AlternateContent xmlns:mc="http://schemas.openxmlformats.org/markup-compatibility/2006">
-    <mc:Choice xmlns:p159="http://schemas.microsoft.com/office/powerpoint/2015/09/main" Requires="p159">
+  <mc:AlternateContent xmlns:mc="http://schemas.openxmlformats.org/markup-compatibility/2006" xmlns:p159="http://schemas.microsoft.com/office/powerpoint/2015/09/main">
+    <mc:Choice Requires="p159">
       <p:transition spd="slow">
         <p159:morph option="byObject"/>
       </p:transition>
     </mc:Choice>
-    <mc:Fallback>
+    <mc:Fallback xmlns="">
       <p:transition spd="slow">
         <p:fade/>
       </p:transition>
@@ -5957,13 +5957,13 @@
   <p:clrMapOvr>
     <a:masterClrMapping/>
   </p:clrMapOvr>
-  <mc:AlternateContent xmlns:mc="http://schemas.openxmlformats.org/markup-compatibility/2006">
-    <mc:Choice xmlns:p159="http://schemas.microsoft.com/office/powerpoint/2015/09/main" Requires="p159">
+  <mc:AlternateContent xmlns:mc="http://schemas.openxmlformats.org/markup-compatibility/2006" xmlns:p159="http://schemas.microsoft.com/office/powerpoint/2015/09/main">
+    <mc:Choice Requires="p159">
       <p:transition spd="slow">
         <p159:morph option="byObject"/>
       </p:transition>
     </mc:Choice>
-    <mc:Fallback>
+    <mc:Fallback xmlns="">
       <p:transition spd="slow">
         <p:fade/>
       </p:transition>
@@ -6127,13 +6127,13 @@
   <p:clrMapOvr>
     <a:masterClrMapping/>
   </p:clrMapOvr>
-  <mc:AlternateContent xmlns:mc="http://schemas.openxmlformats.org/markup-compatibility/2006">
-    <mc:Choice xmlns:p159="http://schemas.microsoft.com/office/powerpoint/2015/09/main" Requires="p159">
+  <mc:AlternateContent xmlns:mc="http://schemas.openxmlformats.org/markup-compatibility/2006" xmlns:p159="http://schemas.microsoft.com/office/powerpoint/2015/09/main">
+    <mc:Choice Requires="p159">
       <p:transition spd="slow" advClick="0" advTm="200">
         <p159:morph option="byObject"/>
       </p:transition>
     </mc:Choice>
-    <mc:Fallback>
+    <mc:Fallback xmlns="">
       <p:transition spd="slow" advClick="0" advTm="200">
         <p:fade/>
       </p:transition>
@@ -6870,13 +6870,13 @@
   <p:clrMapOvr>
     <a:masterClrMapping/>
   </p:clrMapOvr>
-  <mc:AlternateContent xmlns:mc="http://schemas.openxmlformats.org/markup-compatibility/2006">
-    <mc:Choice xmlns:p159="http://schemas.microsoft.com/office/powerpoint/2015/09/main" Requires="p159">
+  <mc:AlternateContent xmlns:mc="http://schemas.openxmlformats.org/markup-compatibility/2006" xmlns:p159="http://schemas.microsoft.com/office/powerpoint/2015/09/main">
+    <mc:Choice Requires="p159">
       <p:transition spd="slow">
         <p159:morph option="byObject"/>
       </p:transition>
     </mc:Choice>
-    <mc:Fallback>
+    <mc:Fallback xmlns="">
       <p:transition spd="slow">
         <p:fade/>
       </p:transition>
